--- a/doc/meetings/ldk-2021/2-toc.pptx
+++ b/doc/meetings/ldk-2021/2-toc.pptx
@@ -2767,9 +2767,10 @@
               <a:t>Distributed Text Services	</a:t>
             </a:r>
             <a:r>
-              <a:rPr lang="lt-LT" sz="1800" dirty="0" smtClean="0"/>
-              <a:t>NN</a:t>
-            </a:r>
+              <a:rPr lang="de-DE" sz="1800" dirty="0" smtClean="0"/>
+              <a:t>Christian Chiarcos</a:t>
+            </a:r>
+            <a:endParaRPr lang="lt-LT" sz="1800" dirty="0" smtClean="0"/>
           </a:p>
           <a:p>
             <a:pPr>
